--- a/project in progress poster - landscape.pptx
+++ b/project in progress poster - landscape.pptx
@@ -243,7 +243,7 @@
           <a:p>
             <a:fld id="{A09615FF-C1AD-4C39-96B2-5B4D7F33D7E0}" type="datetimeFigureOut">
               <a:rPr lang="en-GB" smtClean="0"/>
-              <a:t>15/02/2022</a:t>
+              <a:t>17/02/2022</a:t>
             </a:fld>
             <a:endParaRPr lang="en-GB"/>
           </a:p>
@@ -413,7 +413,7 @@
           <a:p>
             <a:fld id="{A09615FF-C1AD-4C39-96B2-5B4D7F33D7E0}" type="datetimeFigureOut">
               <a:rPr lang="en-GB" smtClean="0"/>
-              <a:t>15/02/2022</a:t>
+              <a:t>17/02/2022</a:t>
             </a:fld>
             <a:endParaRPr lang="en-GB"/>
           </a:p>
@@ -593,7 +593,7 @@
           <a:p>
             <a:fld id="{A09615FF-C1AD-4C39-96B2-5B4D7F33D7E0}" type="datetimeFigureOut">
               <a:rPr lang="en-GB" smtClean="0"/>
-              <a:t>15/02/2022</a:t>
+              <a:t>17/02/2022</a:t>
             </a:fld>
             <a:endParaRPr lang="en-GB"/>
           </a:p>
@@ -763,7 +763,7 @@
           <a:p>
             <a:fld id="{A09615FF-C1AD-4C39-96B2-5B4D7F33D7E0}" type="datetimeFigureOut">
               <a:rPr lang="en-GB" smtClean="0"/>
-              <a:t>15/02/2022</a:t>
+              <a:t>17/02/2022</a:t>
             </a:fld>
             <a:endParaRPr lang="en-GB"/>
           </a:p>
@@ -1007,7 +1007,7 @@
           <a:p>
             <a:fld id="{A09615FF-C1AD-4C39-96B2-5B4D7F33D7E0}" type="datetimeFigureOut">
               <a:rPr lang="en-GB" smtClean="0"/>
-              <a:t>15/02/2022</a:t>
+              <a:t>17/02/2022</a:t>
             </a:fld>
             <a:endParaRPr lang="en-GB"/>
           </a:p>
@@ -1239,7 +1239,7 @@
           <a:p>
             <a:fld id="{A09615FF-C1AD-4C39-96B2-5B4D7F33D7E0}" type="datetimeFigureOut">
               <a:rPr lang="en-GB" smtClean="0"/>
-              <a:t>15/02/2022</a:t>
+              <a:t>17/02/2022</a:t>
             </a:fld>
             <a:endParaRPr lang="en-GB"/>
           </a:p>
@@ -1606,7 +1606,7 @@
           <a:p>
             <a:fld id="{A09615FF-C1AD-4C39-96B2-5B4D7F33D7E0}" type="datetimeFigureOut">
               <a:rPr lang="en-GB" smtClean="0"/>
-              <a:t>15/02/2022</a:t>
+              <a:t>17/02/2022</a:t>
             </a:fld>
             <a:endParaRPr lang="en-GB"/>
           </a:p>
@@ -1724,7 +1724,7 @@
           <a:p>
             <a:fld id="{A09615FF-C1AD-4C39-96B2-5B4D7F33D7E0}" type="datetimeFigureOut">
               <a:rPr lang="en-GB" smtClean="0"/>
-              <a:t>15/02/2022</a:t>
+              <a:t>17/02/2022</a:t>
             </a:fld>
             <a:endParaRPr lang="en-GB"/>
           </a:p>
@@ -1819,7 +1819,7 @@
           <a:p>
             <a:fld id="{A09615FF-C1AD-4C39-96B2-5B4D7F33D7E0}" type="datetimeFigureOut">
               <a:rPr lang="en-GB" smtClean="0"/>
-              <a:t>15/02/2022</a:t>
+              <a:t>17/02/2022</a:t>
             </a:fld>
             <a:endParaRPr lang="en-GB"/>
           </a:p>
@@ -2096,7 +2096,7 @@
           <a:p>
             <a:fld id="{A09615FF-C1AD-4C39-96B2-5B4D7F33D7E0}" type="datetimeFigureOut">
               <a:rPr lang="en-GB" smtClean="0"/>
-              <a:t>15/02/2022</a:t>
+              <a:t>17/02/2022</a:t>
             </a:fld>
             <a:endParaRPr lang="en-GB"/>
           </a:p>
@@ -2353,7 +2353,7 @@
           <a:p>
             <a:fld id="{A09615FF-C1AD-4C39-96B2-5B4D7F33D7E0}" type="datetimeFigureOut">
               <a:rPr lang="en-GB" smtClean="0"/>
-              <a:t>15/02/2022</a:t>
+              <a:t>17/02/2022</a:t>
             </a:fld>
             <a:endParaRPr lang="en-GB"/>
           </a:p>
@@ -2566,7 +2566,7 @@
           <a:p>
             <a:fld id="{A09615FF-C1AD-4C39-96B2-5B4D7F33D7E0}" type="datetimeFigureOut">
               <a:rPr lang="en-GB" smtClean="0"/>
-              <a:t>15/02/2022</a:t>
+              <a:t>17/02/2022</a:t>
             </a:fld>
             <a:endParaRPr lang="en-GB"/>
           </a:p>
@@ -4235,90 +4235,6 @@
           </a:fontRef>
         </p:style>
       </p:cxnSp>
-      <p:pic>
-        <p:nvPicPr>
-          <p:cNvPr id="22" name="Picture 21">
-            <a:extLst>
-              <a:ext uri="{FF2B5EF4-FFF2-40B4-BE49-F238E27FC236}">
-                <a16:creationId xmlns:a16="http://schemas.microsoft.com/office/drawing/2014/main" id="{3240336A-E74F-49A9-86DC-8EF5CEE144E9}"/>
-              </a:ext>
-            </a:extLst>
-          </p:cNvPr>
-          <p:cNvPicPr>
-            <a:picLocks noChangeAspect="1"/>
-          </p:cNvPicPr>
-          <p:nvPr/>
-        </p:nvPicPr>
-        <p:blipFill>
-          <a:blip r:embed="rId4"/>
-          <a:stretch>
-            <a:fillRect/>
-          </a:stretch>
-        </p:blipFill>
-        <p:spPr>
-          <a:xfrm>
-            <a:off x="27239125" y="280073"/>
-            <a:ext cx="1867161" cy="1876687"/>
-          </a:xfrm>
-          <a:prstGeom prst="rect">
-            <a:avLst/>
-          </a:prstGeom>
-        </p:spPr>
-      </p:pic>
-      <p:sp>
-        <p:nvSpPr>
-          <p:cNvPr id="24" name="Title 1">
-            <a:extLst>
-              <a:ext uri="{FF2B5EF4-FFF2-40B4-BE49-F238E27FC236}">
-                <a16:creationId xmlns:a16="http://schemas.microsoft.com/office/drawing/2014/main" id="{CC7AA43E-169E-4584-BD61-1564EB886BA4}"/>
-              </a:ext>
-            </a:extLst>
-          </p:cNvPr>
-          <p:cNvSpPr txBox="1">
-            <a:spLocks/>
-          </p:cNvSpPr>
-          <p:nvPr/>
-        </p:nvSpPr>
-        <p:spPr>
-          <a:xfrm>
-            <a:off x="26197545" y="2142016"/>
-            <a:ext cx="3950320" cy="747536"/>
-          </a:xfrm>
-          <a:prstGeom prst="rect">
-            <a:avLst/>
-          </a:prstGeom>
-        </p:spPr>
-        <p:txBody>
-          <a:bodyPr vert="horz" lIns="91440" tIns="45720" rIns="91440" bIns="45720" rtlCol="0" anchor="t">
-            <a:normAutofit lnSpcReduction="10000"/>
-          </a:bodyPr>
-          <a:lstStyle>
-            <a:lvl1pPr algn="ctr" defTabSz="2138324" rtl="0" eaLnBrk="1" latinLnBrk="0" hangingPunct="1">
-              <a:lnSpc>
-                <a:spcPct val="90000"/>
-              </a:lnSpc>
-              <a:spcBef>
-                <a:spcPct val="0"/>
-              </a:spcBef>
-              <a:buNone/>
-              <a:defRPr sz="14031" kern="1200">
-                <a:solidFill>
-                  <a:schemeClr val="tx1"/>
-                </a:solidFill>
-                <a:latin typeface="+mj-lt"/>
-                <a:ea typeface="+mj-ea"/>
-                <a:cs typeface="+mj-cs"/>
-              </a:defRPr>
-            </a:lvl1pPr>
-          </a:lstStyle>
-          <a:p>
-            <a:r>
-              <a:rPr lang="en-GB" sz="2400" dirty="0"/>
-              <a:t>A QR Code link to your video submission</a:t>
-            </a:r>
-          </a:p>
-        </p:txBody>
-      </p:sp>
       <p:cxnSp>
         <p:nvCxnSpPr>
           <p:cNvPr id="27" name="Straight Connector 26">
@@ -4372,7 +4288,7 @@
           <p:nvPr/>
         </p:nvPicPr>
         <p:blipFill>
-          <a:blip r:embed="rId5">
+          <a:blip r:embed="rId4">
             <a:extLst>
               <a:ext uri="{28A0092B-C50C-407E-A947-70E740481C1C}">
                 <a14:useLocalDpi xmlns:a14="http://schemas.microsoft.com/office/drawing/2010/main" val="0"/>
@@ -4413,7 +4329,7 @@
           <p:nvPr/>
         </p:nvPicPr>
         <p:blipFill>
-          <a:blip r:embed="rId6" cstate="print">
+          <a:blip r:embed="rId5" cstate="print">
             <a:extLst>
               <a:ext uri="{28A0092B-C50C-407E-A947-70E740481C1C}">
                 <a14:useLocalDpi xmlns:a14="http://schemas.microsoft.com/office/drawing/2010/main" val="0"/>
@@ -4535,6 +4451,81 @@
             <a:extLst>
               <a:ext uri="{FF2B5EF4-FFF2-40B4-BE49-F238E27FC236}">
                 <a16:creationId xmlns:a16="http://schemas.microsoft.com/office/drawing/2014/main" id="{76227183-E36F-47D4-A1A3-31D9E112B0B9}"/>
+              </a:ext>
+            </a:extLst>
+          </p:cNvPr>
+          <p:cNvPicPr>
+            <a:picLocks noChangeAspect="1"/>
+          </p:cNvPicPr>
+          <p:nvPr/>
+        </p:nvPicPr>
+        <p:blipFill>
+          <a:blip r:embed="rId6"/>
+          <a:stretch>
+            <a:fillRect/>
+          </a:stretch>
+        </p:blipFill>
+        <p:spPr>
+          <a:xfrm>
+            <a:off x="20992762" y="2982162"/>
+            <a:ext cx="7292539" cy="5514246"/>
+          </a:xfrm>
+          <a:prstGeom prst="rect">
+            <a:avLst/>
+          </a:prstGeom>
+        </p:spPr>
+      </p:pic>
+      <p:sp>
+        <p:nvSpPr>
+          <p:cNvPr id="35" name="TextBox 34">
+            <a:extLst>
+              <a:ext uri="{FF2B5EF4-FFF2-40B4-BE49-F238E27FC236}">
+                <a16:creationId xmlns:a16="http://schemas.microsoft.com/office/drawing/2014/main" id="{229A649E-65DE-4FD4-9B0B-195D04BD39A7}"/>
+              </a:ext>
+            </a:extLst>
+          </p:cNvPr>
+          <p:cNvSpPr txBox="1"/>
+          <p:nvPr/>
+        </p:nvSpPr>
+        <p:spPr>
+          <a:xfrm rot="5400000">
+            <a:off x="25748844" y="5445898"/>
+            <a:ext cx="5695826" cy="461665"/>
+          </a:xfrm>
+          <a:prstGeom prst="rect">
+            <a:avLst/>
+          </a:prstGeom>
+          <a:noFill/>
+        </p:spPr>
+        <p:txBody>
+          <a:bodyPr wrap="square" rtlCol="0">
+            <a:spAutoFit/>
+          </a:bodyPr>
+          <a:lstStyle/>
+          <a:p>
+            <a:pPr algn="ctr"/>
+            <a:r>
+              <a:rPr lang="en-US" sz="2400" b="1" dirty="0"/>
+              <a:t>Initial </a:t>
+            </a:r>
+            <a:r>
+              <a:rPr lang="en-US" sz="2400" b="1" dirty="0" err="1"/>
+              <a:t>figma</a:t>
+            </a:r>
+            <a:r>
+              <a:rPr lang="en-US" sz="2400" b="1" dirty="0"/>
+              <a:t> UI designs</a:t>
+            </a:r>
+            <a:endParaRPr lang="en-GB" sz="2400" b="1" dirty="0"/>
+          </a:p>
+        </p:txBody>
+      </p:sp>
+      <p:pic>
+        <p:nvPicPr>
+          <p:cNvPr id="37" name="Picture 36">
+            <a:extLst>
+              <a:ext uri="{FF2B5EF4-FFF2-40B4-BE49-F238E27FC236}">
+                <a16:creationId xmlns:a16="http://schemas.microsoft.com/office/drawing/2014/main" id="{38D61CBE-A832-4E26-91A2-556F2701FB62}"/>
               </a:ext>
             </a:extLst>
           </p:cNvPr>
@@ -4551,65 +4542,20 @@
         </p:blipFill>
         <p:spPr>
           <a:xfrm>
-            <a:off x="20799610" y="2836110"/>
-            <a:ext cx="7485692" cy="5660298"/>
+            <a:off x="20799612" y="9050513"/>
+            <a:ext cx="1996752" cy="4343496"/>
           </a:xfrm>
           <a:prstGeom prst="rect">
             <a:avLst/>
           </a:prstGeom>
         </p:spPr>
       </p:pic>
-      <p:sp>
-        <p:nvSpPr>
-          <p:cNvPr id="35" name="TextBox 34">
+      <p:pic>
+        <p:nvPicPr>
+          <p:cNvPr id="39" name="Picture 38">
             <a:extLst>
               <a:ext uri="{FF2B5EF4-FFF2-40B4-BE49-F238E27FC236}">
-                <a16:creationId xmlns:a16="http://schemas.microsoft.com/office/drawing/2014/main" id="{229A649E-65DE-4FD4-9B0B-195D04BD39A7}"/>
-              </a:ext>
-            </a:extLst>
-          </p:cNvPr>
-          <p:cNvSpPr txBox="1"/>
-          <p:nvPr/>
-        </p:nvSpPr>
-        <p:spPr>
-          <a:xfrm rot="5400000">
-            <a:off x="25748844" y="5445898"/>
-            <a:ext cx="5695826" cy="461665"/>
-          </a:xfrm>
-          <a:prstGeom prst="rect">
-            <a:avLst/>
-          </a:prstGeom>
-          <a:noFill/>
-        </p:spPr>
-        <p:txBody>
-          <a:bodyPr wrap="square" rtlCol="0">
-            <a:spAutoFit/>
-          </a:bodyPr>
-          <a:lstStyle/>
-          <a:p>
-            <a:pPr algn="ctr"/>
-            <a:r>
-              <a:rPr lang="en-US" sz="2400" b="1" dirty="0"/>
-              <a:t>Initial </a:t>
-            </a:r>
-            <a:r>
-              <a:rPr lang="en-US" sz="2400" b="1" dirty="0" err="1"/>
-              <a:t>figma</a:t>
-            </a:r>
-            <a:r>
-              <a:rPr lang="en-US" sz="2400" b="1" dirty="0"/>
-              <a:t> UI designs</a:t>
-            </a:r>
-            <a:endParaRPr lang="en-GB" sz="2400" b="1" dirty="0"/>
-          </a:p>
-        </p:txBody>
-      </p:sp>
-      <p:pic>
-        <p:nvPicPr>
-          <p:cNvPr id="37" name="Picture 36">
-            <a:extLst>
-              <a:ext uri="{FF2B5EF4-FFF2-40B4-BE49-F238E27FC236}">
-                <a16:creationId xmlns:a16="http://schemas.microsoft.com/office/drawing/2014/main" id="{38D61CBE-A832-4E26-91A2-556F2701FB62}"/>
+                <a16:creationId xmlns:a16="http://schemas.microsoft.com/office/drawing/2014/main" id="{DF58E22C-0C8B-4129-8955-D3B8CED2745F}"/>
               </a:ext>
             </a:extLst>
           </p:cNvPr>
@@ -4626,7 +4572,7 @@
         </p:blipFill>
         <p:spPr>
           <a:xfrm>
-            <a:off x="20799612" y="9050513"/>
+            <a:off x="22931953" y="9050513"/>
             <a:ext cx="1996752" cy="4343496"/>
           </a:xfrm>
           <a:prstGeom prst="rect">
@@ -4636,10 +4582,10 @@
       </p:pic>
       <p:pic>
         <p:nvPicPr>
-          <p:cNvPr id="39" name="Picture 38">
+          <p:cNvPr id="41" name="Picture 40">
             <a:extLst>
               <a:ext uri="{FF2B5EF4-FFF2-40B4-BE49-F238E27FC236}">
-                <a16:creationId xmlns:a16="http://schemas.microsoft.com/office/drawing/2014/main" id="{DF58E22C-0C8B-4129-8955-D3B8CED2745F}"/>
+                <a16:creationId xmlns:a16="http://schemas.microsoft.com/office/drawing/2014/main" id="{9ED695F4-3576-4EDB-9E8B-4A6310797921}"/>
               </a:ext>
             </a:extLst>
           </p:cNvPr>
@@ -4656,7 +4602,7 @@
         </p:blipFill>
         <p:spPr>
           <a:xfrm>
-            <a:off x="22931953" y="9050513"/>
+            <a:off x="25064294" y="9050513"/>
             <a:ext cx="1996752" cy="4343496"/>
           </a:xfrm>
           <a:prstGeom prst="rect">
@@ -4666,10 +4612,10 @@
       </p:pic>
       <p:pic>
         <p:nvPicPr>
-          <p:cNvPr id="41" name="Picture 40">
+          <p:cNvPr id="43" name="Picture 42">
             <a:extLst>
               <a:ext uri="{FF2B5EF4-FFF2-40B4-BE49-F238E27FC236}">
-                <a16:creationId xmlns:a16="http://schemas.microsoft.com/office/drawing/2014/main" id="{9ED695F4-3576-4EDB-9E8B-4A6310797921}"/>
+                <a16:creationId xmlns:a16="http://schemas.microsoft.com/office/drawing/2014/main" id="{79864D55-6C12-4FD5-AF5D-CDB2C35665F1}"/>
               </a:ext>
             </a:extLst>
           </p:cNvPr>
@@ -4686,36 +4632,6 @@
         </p:blipFill>
         <p:spPr>
           <a:xfrm>
-            <a:off x="25064294" y="9050513"/>
-            <a:ext cx="1996752" cy="4343496"/>
-          </a:xfrm>
-          <a:prstGeom prst="rect">
-            <a:avLst/>
-          </a:prstGeom>
-        </p:spPr>
-      </p:pic>
-      <p:pic>
-        <p:nvPicPr>
-          <p:cNvPr id="43" name="Picture 42">
-            <a:extLst>
-              <a:ext uri="{FF2B5EF4-FFF2-40B4-BE49-F238E27FC236}">
-                <a16:creationId xmlns:a16="http://schemas.microsoft.com/office/drawing/2014/main" id="{79864D55-6C12-4FD5-AF5D-CDB2C35665F1}"/>
-              </a:ext>
-            </a:extLst>
-          </p:cNvPr>
-          <p:cNvPicPr>
-            <a:picLocks noChangeAspect="1"/>
-          </p:cNvPicPr>
-          <p:nvPr/>
-        </p:nvPicPr>
-        <p:blipFill>
-          <a:blip r:embed="rId11"/>
-          <a:stretch>
-            <a:fillRect/>
-          </a:stretch>
-        </p:blipFill>
-        <p:spPr>
-          <a:xfrm>
             <a:off x="27196635" y="9067502"/>
             <a:ext cx="2885705" cy="1344860"/>
           </a:xfrm>
@@ -4813,7 +4729,7 @@
           <p:nvPr/>
         </p:nvPicPr>
         <p:blipFill>
-          <a:blip r:embed="rId12">
+          <a:blip r:embed="rId11">
             <a:extLst>
               <a:ext uri="{28A0092B-C50C-407E-A947-70E740481C1C}">
                 <a14:useLocalDpi xmlns:a14="http://schemas.microsoft.com/office/drawing/2010/main" val="0"/>
@@ -4849,7 +4765,7 @@
           <p:nvPr/>
         </p:nvPicPr>
         <p:blipFill>
-          <a:blip r:embed="rId13"/>
+          <a:blip r:embed="rId12"/>
           <a:stretch>
             <a:fillRect/>
           </a:stretch>
@@ -4879,7 +4795,7 @@
           <p:nvPr/>
         </p:nvPicPr>
         <p:blipFill>
-          <a:blip r:embed="rId14">
+          <a:blip r:embed="rId13">
             <a:extLst>
               <a:ext uri="{28A0092B-C50C-407E-A947-70E740481C1C}">
                 <a14:useLocalDpi xmlns:a14="http://schemas.microsoft.com/office/drawing/2010/main" val="0"/>
@@ -4915,7 +4831,7 @@
           <p:nvPr/>
         </p:nvPicPr>
         <p:blipFill>
-          <a:blip r:embed="rId15"/>
+          <a:blip r:embed="rId14"/>
           <a:stretch>
             <a:fillRect/>
           </a:stretch>
@@ -4972,6 +4888,42 @@
           </a:p>
         </p:txBody>
       </p:sp>
+      <p:pic>
+        <p:nvPicPr>
+          <p:cNvPr id="16" name="Picture 15" descr="Qr code&#10;&#10;Description automatically generated">
+            <a:extLst>
+              <a:ext uri="{FF2B5EF4-FFF2-40B4-BE49-F238E27FC236}">
+                <a16:creationId xmlns:a16="http://schemas.microsoft.com/office/drawing/2014/main" id="{4C5DA00F-A3A0-420D-AF7F-5189F6566DEF}"/>
+              </a:ext>
+            </a:extLst>
+          </p:cNvPr>
+          <p:cNvPicPr>
+            <a:picLocks noChangeAspect="1"/>
+          </p:cNvPicPr>
+          <p:nvPr/>
+        </p:nvPicPr>
+        <p:blipFill>
+          <a:blip r:embed="rId15">
+            <a:extLst>
+              <a:ext uri="{28A0092B-C50C-407E-A947-70E740481C1C}">
+                <a14:useLocalDpi xmlns:a14="http://schemas.microsoft.com/office/drawing/2010/main" val="0"/>
+              </a:ext>
+            </a:extLst>
+          </a:blip>
+          <a:stretch>
+            <a:fillRect/>
+          </a:stretch>
+        </p:blipFill>
+        <p:spPr>
+          <a:xfrm>
+            <a:off x="27161451" y="0"/>
+            <a:ext cx="2908206" cy="2908206"/>
+          </a:xfrm>
+          <a:prstGeom prst="rect">
+            <a:avLst/>
+          </a:prstGeom>
+        </p:spPr>
+      </p:pic>
     </p:spTree>
     <p:extLst>
       <p:ext uri="{BB962C8B-B14F-4D97-AF65-F5344CB8AC3E}">
